--- a/15. Arquitetura de Negócio para cada Cenário.pptx
+++ b/15. Arquitetura de Negócio para cada Cenário.pptx
@@ -5,7 +5,7 @@
     <p:sldMasterId id="2147483648" r:id="rId1"/>
   </p:sldMasterIdLst>
   <p:notesMasterIdLst>
-    <p:notesMasterId r:id="rId15"/>
+    <p:notesMasterId r:id="rId14"/>
   </p:notesMasterIdLst>
   <p:sldIdLst>
     <p:sldId id="256" r:id="rId2"/>
@@ -17,10 +17,9 @@
     <p:sldId id="262" r:id="rId8"/>
     <p:sldId id="274" r:id="rId9"/>
     <p:sldId id="275" r:id="rId10"/>
-    <p:sldId id="276" r:id="rId11"/>
-    <p:sldId id="277" r:id="rId12"/>
-    <p:sldId id="278" r:id="rId13"/>
-    <p:sldId id="279" r:id="rId14"/>
+    <p:sldId id="277" r:id="rId11"/>
+    <p:sldId id="278" r:id="rId12"/>
+    <p:sldId id="279" r:id="rId13"/>
   </p:sldIdLst>
   <p:sldSz cx="9144000" cy="5143500" type="screen16x9"/>
   <p:notesSz cx="6858000" cy="9144000"/>
@@ -258,7 +257,7 @@
       <p15:sldGuideLst xmlns:p15="http://schemas.microsoft.com/office/powerpoint/2012/main"/>
     </p:ext>
     <p:ext uri="http://customooxmlschemas.google.com/">
-      <go:slidesCustomData xmlns="" xmlns:mc="http://schemas.openxmlformats.org/markup-compatibility/2006" xmlns:mv="urn:schemas-microsoft-com:mac:vml" xmlns:c="http://schemas.openxmlformats.org/drawingml/2006/chart" xmlns:dgm="http://schemas.openxmlformats.org/drawingml/2006/diagram" xmlns:o="urn:schemas-microsoft-com:office:office" xmlns:v="urn:schemas-microsoft-com:vml" xmlns:pvml="urn:schemas-microsoft-com:office:powerpoint" xmlns:com="http://schemas.openxmlformats.org/drawingml/2006/compatibility" xmlns:p14="http://schemas.microsoft.com/office/powerpoint/2010/main" xmlns:p15="http://schemas.microsoft.com/office/powerpoint/2012/main" xmlns:go="http://customooxmlschemas.google.com/" r:id="rId21" roundtripDataSignature="AMtx7mig7ByeIl945jGhj9te9ZFj2jq76w=="/>
+      <go:slidesCustomData xmlns:go="http://customooxmlschemas.google.com/" xmlns:p15="http://schemas.microsoft.com/office/powerpoint/2012/main" xmlns:p14="http://schemas.microsoft.com/office/powerpoint/2010/main" xmlns:com="http://schemas.openxmlformats.org/drawingml/2006/compatibility" xmlns:pvml="urn:schemas-microsoft-com:office:powerpoint" xmlns:v="urn:schemas-microsoft-com:vml" xmlns:o="urn:schemas-microsoft-com:office:office" xmlns:dgm="http://schemas.openxmlformats.org/drawingml/2006/diagram" xmlns:c="http://schemas.openxmlformats.org/drawingml/2006/chart" xmlns:mv="urn:schemas-microsoft-com:mac:vml" xmlns:mc="http://schemas.openxmlformats.org/markup-compatibility/2006" xmlns="" r:id="rId21" roundtripDataSignature="AMtx7mig7ByeIl945jGhj9te9ZFj2jq76w=="/>
     </p:ext>
   </p:extLst>
 </p:presentation>
@@ -279,7 +278,7 @@
 <file path=ppt/revisionInfo.xml><?xml version="1.0" encoding="utf-8"?>
 <p1510:revInfo xmlns:a="http://schemas.openxmlformats.org/drawingml/2006/main" xmlns:r="http://schemas.openxmlformats.org/officeDocument/2006/relationships" xmlns:p1510="http://schemas.microsoft.com/office/powerpoint/2015/10/main">
   <p1510:revLst>
-    <p1510:client id="{A7099108-63E8-454F-8761-E5ACA2AB26F2}" v="28" dt="2020-04-25T12:42:10.503"/>
+    <p1510:client id="{A7099108-63E8-454F-8761-E5ACA2AB26F2}" v="29" dt="2020-05-02T14:10:26.056"/>
   </p1510:revLst>
 </p1510:revInfo>
 </file>
@@ -289,18 +288,18 @@
   <pc:docChgLst>
     <pc:chgData name="Gabriel Oliveira Gonçalves" userId="680b752bded4d741" providerId="LiveId" clId="{A7099108-63E8-454F-8761-E5ACA2AB26F2}"/>
     <pc:docChg chg="undo custSel addSld delSld modSld">
-      <pc:chgData name="Gabriel Oliveira Gonçalves" userId="680b752bded4d741" providerId="LiveId" clId="{A7099108-63E8-454F-8761-E5ACA2AB26F2}" dt="2020-04-26T23:43:51.281" v="1789" actId="1076"/>
+      <pc:chgData name="Gabriel Oliveira Gonçalves" userId="680b752bded4d741" providerId="LiveId" clId="{A7099108-63E8-454F-8761-E5ACA2AB26F2}" dt="2020-05-02T14:10:48.679" v="1825" actId="2696"/>
       <pc:docMkLst>
         <pc:docMk/>
       </pc:docMkLst>
-      <pc:sldChg chg="modSp">
-        <pc:chgData name="Gabriel Oliveira Gonçalves" userId="680b752bded4d741" providerId="LiveId" clId="{A7099108-63E8-454F-8761-E5ACA2AB26F2}" dt="2020-04-25T12:34:26.641" v="1455" actId="20577"/>
+      <pc:sldChg chg="modSp mod">
+        <pc:chgData name="Gabriel Oliveira Gonçalves" userId="680b752bded4d741" providerId="LiveId" clId="{A7099108-63E8-454F-8761-E5ACA2AB26F2}" dt="2020-05-02T14:09:53.706" v="1820" actId="20577"/>
         <pc:sldMkLst>
           <pc:docMk/>
           <pc:sldMk cId="0" sldId="256"/>
         </pc:sldMkLst>
         <pc:spChg chg="mod">
-          <ac:chgData name="Gabriel Oliveira Gonçalves" userId="680b752bded4d741" providerId="LiveId" clId="{A7099108-63E8-454F-8761-E5ACA2AB26F2}" dt="2020-04-24T12:35:17.560" v="246" actId="20577"/>
+          <ac:chgData name="Gabriel Oliveira Gonçalves" userId="680b752bded4d741" providerId="LiveId" clId="{A7099108-63E8-454F-8761-E5ACA2AB26F2}" dt="2020-05-02T14:09:53.706" v="1820" actId="20577"/>
           <ac:spMkLst>
             <pc:docMk/>
             <pc:sldMk cId="0" sldId="256"/>
@@ -425,12 +424,20 @@
           <pc:sldMk cId="0" sldId="259"/>
         </pc:sldMkLst>
       </pc:sldChg>
-      <pc:sldChg chg="modSp">
-        <pc:chgData name="Gabriel Oliveira Gonçalves" userId="680b752bded4d741" providerId="LiveId" clId="{A7099108-63E8-454F-8761-E5ACA2AB26F2}" dt="2020-04-24T13:05:18.109" v="725" actId="1076"/>
+      <pc:sldChg chg="modSp mod">
+        <pc:chgData name="Gabriel Oliveira Gonçalves" userId="680b752bded4d741" providerId="LiveId" clId="{A7099108-63E8-454F-8761-E5ACA2AB26F2}" dt="2020-05-02T12:26:14.716" v="1795" actId="20577"/>
         <pc:sldMkLst>
           <pc:docMk/>
           <pc:sldMk cId="0" sldId="260"/>
         </pc:sldMkLst>
+        <pc:spChg chg="mod">
+          <ac:chgData name="Gabriel Oliveira Gonçalves" userId="680b752bded4d741" providerId="LiveId" clId="{A7099108-63E8-454F-8761-E5ACA2AB26F2}" dt="2020-05-02T12:26:14.716" v="1795" actId="20577"/>
+          <ac:spMkLst>
+            <pc:docMk/>
+            <pc:sldMk cId="0" sldId="260"/>
+            <ac:spMk id="167" creationId="{00000000-0000-0000-0000-000000000000}"/>
+          </ac:spMkLst>
+        </pc:spChg>
         <pc:spChg chg="mod">
           <ac:chgData name="Gabriel Oliveira Gonçalves" userId="680b752bded4d741" providerId="LiveId" clId="{A7099108-63E8-454F-8761-E5ACA2AB26F2}" dt="2020-04-24T13:05:18.109" v="725" actId="1076"/>
           <ac:spMkLst>
@@ -777,14 +784,14 @@
           </ac:spMkLst>
         </pc:spChg>
       </pc:sldChg>
-      <pc:sldChg chg="modSp add">
-        <pc:chgData name="Gabriel Oliveira Gonçalves" userId="680b752bded4d741" providerId="LiveId" clId="{A7099108-63E8-454F-8761-E5ACA2AB26F2}" dt="2020-04-24T13:20:07.566" v="1000" actId="20577"/>
+      <pc:sldChg chg="modSp add mod">
+        <pc:chgData name="Gabriel Oliveira Gonçalves" userId="680b752bded4d741" providerId="LiveId" clId="{A7099108-63E8-454F-8761-E5ACA2AB26F2}" dt="2020-05-02T14:10:31.198" v="1824" actId="20577"/>
         <pc:sldMkLst>
           <pc:docMk/>
           <pc:sldMk cId="3052892673" sldId="275"/>
         </pc:sldMkLst>
         <pc:spChg chg="mod">
-          <ac:chgData name="Gabriel Oliveira Gonçalves" userId="680b752bded4d741" providerId="LiveId" clId="{A7099108-63E8-454F-8761-E5ACA2AB26F2}" dt="2020-04-24T13:17:26.162" v="958" actId="20577"/>
+          <ac:chgData name="Gabriel Oliveira Gonçalves" userId="680b752bded4d741" providerId="LiveId" clId="{A7099108-63E8-454F-8761-E5ACA2AB26F2}" dt="2020-05-02T14:10:31.198" v="1824" actId="20577"/>
           <ac:spMkLst>
             <pc:docMk/>
             <pc:sldMk cId="3052892673" sldId="275"/>
@@ -800,8 +807,8 @@
           </ac:spMkLst>
         </pc:spChg>
       </pc:sldChg>
-      <pc:sldChg chg="modSp add">
-        <pc:chgData name="Gabriel Oliveira Gonçalves" userId="680b752bded4d741" providerId="LiveId" clId="{A7099108-63E8-454F-8761-E5ACA2AB26F2}" dt="2020-04-24T13:22:51.540" v="1056" actId="20577"/>
+      <pc:sldChg chg="modSp add del">
+        <pc:chgData name="Gabriel Oliveira Gonçalves" userId="680b752bded4d741" providerId="LiveId" clId="{A7099108-63E8-454F-8761-E5ACA2AB26F2}" dt="2020-05-02T14:10:48.679" v="1825" actId="2696"/>
         <pc:sldMkLst>
           <pc:docMk/>
           <pc:sldMk cId="45913352" sldId="276"/>
@@ -1810,7 +1817,7 @@
     </p:spTree>
     <p:extLst>
       <p:ext uri="{BB962C8B-B14F-4D97-AF65-F5344CB8AC3E}">
-        <p14:creationId xmlns:p14="http://schemas.microsoft.com/office/powerpoint/2010/main" val="2693602714"/>
+        <p14:creationId xmlns:p14="http://schemas.microsoft.com/office/powerpoint/2010/main" val="3949837054"/>
       </p:ext>
     </p:extLst>
   </p:cSld>
@@ -1937,7 +1944,7 @@
     </p:spTree>
     <p:extLst>
       <p:ext uri="{BB962C8B-B14F-4D97-AF65-F5344CB8AC3E}">
-        <p14:creationId xmlns:p14="http://schemas.microsoft.com/office/powerpoint/2010/main" val="3949837054"/>
+        <p14:creationId xmlns:p14="http://schemas.microsoft.com/office/powerpoint/2010/main" val="1035133977"/>
       </p:ext>
     </p:extLst>
   </p:cSld>
@@ -1948,133 +1955,6 @@
 </file>
 
 <file path=ppt/notesSlides/notesSlide12.xml><?xml version="1.0" encoding="utf-8"?>
-<p:notes xmlns:a="http://schemas.openxmlformats.org/drawingml/2006/main" xmlns:r="http://schemas.openxmlformats.org/officeDocument/2006/relationships" xmlns:p="http://schemas.openxmlformats.org/presentationml/2006/main" showMasterSp="0" showMasterPhAnim="0">
-  <p:cSld>
-    <p:spTree>
-      <p:nvGrpSpPr>
-        <p:cNvPr id="1" name="Shape 192"/>
-        <p:cNvGrpSpPr/>
-        <p:nvPr/>
-      </p:nvGrpSpPr>
-      <p:grpSpPr>
-        <a:xfrm>
-          <a:off x="0" y="0"/>
-          <a:ext cx="0" cy="0"/>
-          <a:chOff x="0" y="0"/>
-          <a:chExt cx="0" cy="0"/>
-        </a:xfrm>
-      </p:grpSpPr>
-      <p:sp>
-        <p:nvSpPr>
-          <p:cNvPr id="193" name="Google Shape;193;g726e5e8bed_3_29:notes"/>
-          <p:cNvSpPr>
-            <a:spLocks noGrp="1" noRot="1" noChangeAspect="1"/>
-          </p:cNvSpPr>
-          <p:nvPr>
-            <p:ph type="sldImg" idx="2"/>
-          </p:nvPr>
-        </p:nvSpPr>
-        <p:spPr>
-          <a:xfrm>
-            <a:off x="381000" y="685800"/>
-            <a:ext cx="6096000" cy="3429000"/>
-          </a:xfrm>
-          <a:custGeom>
-            <a:avLst/>
-            <a:gdLst/>
-            <a:ahLst/>
-            <a:cxnLst/>
-            <a:rect l="l" t="t" r="r" b="b"/>
-            <a:pathLst>
-              <a:path w="120000" h="120000" extrusionOk="0">
-                <a:moveTo>
-                  <a:pt x="0" y="0"/>
-                </a:moveTo>
-                <a:lnTo>
-                  <a:pt x="120000" y="0"/>
-                </a:lnTo>
-                <a:lnTo>
-                  <a:pt x="120000" y="120000"/>
-                </a:lnTo>
-                <a:lnTo>
-                  <a:pt x="0" y="120000"/>
-                </a:lnTo>
-                <a:close/>
-              </a:path>
-            </a:pathLst>
-          </a:custGeom>
-          <a:noFill/>
-          <a:ln w="9525" cap="flat" cmpd="sng">
-            <a:solidFill>
-              <a:srgbClr val="000000"/>
-            </a:solidFill>
-            <a:prstDash val="solid"/>
-            <a:round/>
-            <a:headEnd type="none" w="sm" len="sm"/>
-            <a:tailEnd type="none" w="sm" len="sm"/>
-          </a:ln>
-        </p:spPr>
-      </p:sp>
-      <p:sp>
-        <p:nvSpPr>
-          <p:cNvPr id="194" name="Google Shape;194;g726e5e8bed_3_29:notes"/>
-          <p:cNvSpPr txBox="1">
-            <a:spLocks noGrp="1"/>
-          </p:cNvSpPr>
-          <p:nvPr>
-            <p:ph type="body" idx="1"/>
-          </p:nvPr>
-        </p:nvSpPr>
-        <p:spPr>
-          <a:xfrm>
-            <a:off x="685800" y="4343400"/>
-            <a:ext cx="5486400" cy="4114800"/>
-          </a:xfrm>
-          <a:prstGeom prst="rect">
-            <a:avLst/>
-          </a:prstGeom>
-          <a:noFill/>
-          <a:ln>
-            <a:noFill/>
-          </a:ln>
-        </p:spPr>
-        <p:txBody>
-          <a:bodyPr spcFirstLastPara="1" wrap="square" lIns="91425" tIns="91425" rIns="91425" bIns="91425" anchor="t" anchorCtr="0">
-            <a:noAutofit/>
-          </a:bodyPr>
-          <a:lstStyle/>
-          <a:p>
-            <a:pPr marL="0" lvl="0" indent="0" algn="l" rtl="0">
-              <a:lnSpc>
-                <a:spcPct val="100000"/>
-              </a:lnSpc>
-              <a:spcBef>
-                <a:spcPts val="0"/>
-              </a:spcBef>
-              <a:spcAft>
-                <a:spcPts val="0"/>
-              </a:spcAft>
-              <a:buSzPts val="1100"/>
-              <a:buNone/>
-            </a:pPr>
-            <a:endParaRPr/>
-          </a:p>
-        </p:txBody>
-      </p:sp>
-    </p:spTree>
-    <p:extLst>
-      <p:ext uri="{BB962C8B-B14F-4D97-AF65-F5344CB8AC3E}">
-        <p14:creationId xmlns:p14="http://schemas.microsoft.com/office/powerpoint/2010/main" val="1035133977"/>
-      </p:ext>
-    </p:extLst>
-  </p:cSld>
-  <p:clrMapOvr>
-    <a:masterClrMapping/>
-  </p:clrMapOvr>
-</p:notes>
-</file>
-
-<file path=ppt/notesSlides/notesSlide13.xml><?xml version="1.0" encoding="utf-8"?>
 <p:notes xmlns:a="http://schemas.openxmlformats.org/drawingml/2006/main" xmlns:r="http://schemas.openxmlformats.org/officeDocument/2006/relationships" xmlns:p="http://schemas.openxmlformats.org/presentationml/2006/main" showMasterSp="0" showMasterPhAnim="0">
   <p:cSld>
     <p:spTree>
@@ -12086,41 +11966,6 @@
               </a:rPr>
               <a:t>ocumentação</a:t>
             </a:r>
-            <a:endParaRPr sz="1000" b="0" i="0" u="none" strike="noStrike" cap="none" dirty="0">
-              <a:solidFill>
-                <a:schemeClr val="dk1"/>
-              </a:solidFill>
-              <a:latin typeface="Arial"/>
-              <a:ea typeface="Arial"/>
-              <a:cs typeface="Arial"/>
-              <a:sym typeface="Arial"/>
-            </a:endParaRPr>
-          </a:p>
-          <a:p>
-            <a:pPr marL="457200" marR="0" lvl="0" indent="-292100" algn="l" rtl="0">
-              <a:lnSpc>
-                <a:spcPct val="100000"/>
-              </a:lnSpc>
-              <a:spcBef>
-                <a:spcPts val="0"/>
-              </a:spcBef>
-              <a:spcAft>
-                <a:spcPts val="0"/>
-              </a:spcAft>
-              <a:buClr>
-                <a:schemeClr val="dk1"/>
-              </a:buClr>
-              <a:buSzPts val="1000"/>
-              <a:buChar char="❖"/>
-            </a:pPr>
-            <a:r>
-              <a:rPr lang="pt-BR" sz="1000" dirty="0">
-                <a:solidFill>
-                  <a:schemeClr val="dk1"/>
-                </a:solidFill>
-              </a:rPr>
-              <a:t>Informar datas e prazos</a:t>
-            </a:r>
             <a:endParaRPr sz="1000" dirty="0">
               <a:solidFill>
                 <a:schemeClr val="dk1"/>
@@ -12809,768 +12654,6 @@
 </file>
 
 <file path=ppt/slides/slide10.xml><?xml version="1.0" encoding="utf-8"?>
-<p:sld xmlns:a="http://schemas.openxmlformats.org/drawingml/2006/main" xmlns:r="http://schemas.openxmlformats.org/officeDocument/2006/relationships" xmlns:p="http://schemas.openxmlformats.org/presentationml/2006/main">
-  <p:cSld>
-    <p:spTree>
-      <p:nvGrpSpPr>
-        <p:cNvPr id="1" name="Shape 195"/>
-        <p:cNvGrpSpPr/>
-        <p:nvPr/>
-      </p:nvGrpSpPr>
-      <p:grpSpPr>
-        <a:xfrm>
-          <a:off x="0" y="0"/>
-          <a:ext cx="0" cy="0"/>
-          <a:chOff x="0" y="0"/>
-          <a:chExt cx="0" cy="0"/>
-        </a:xfrm>
-      </p:grpSpPr>
-      <p:sp>
-        <p:nvSpPr>
-          <p:cNvPr id="196" name="Google Shape;196;g726e5e8bed_3_29"/>
-          <p:cNvSpPr/>
-          <p:nvPr/>
-        </p:nvSpPr>
-        <p:spPr>
-          <a:xfrm>
-            <a:off x="3779250" y="219700"/>
-            <a:ext cx="1971600" cy="718500"/>
-          </a:xfrm>
-          <a:prstGeom prst="wave">
-            <a:avLst>
-              <a:gd name="adj1" fmla="val 6999"/>
-              <a:gd name="adj2" fmla="val 0"/>
-            </a:avLst>
-          </a:prstGeom>
-          <a:solidFill>
-            <a:srgbClr val="F4CCCC"/>
-          </a:solidFill>
-          <a:ln w="9525" cap="flat" cmpd="sng">
-            <a:solidFill>
-              <a:srgbClr val="FFFFFF"/>
-            </a:solidFill>
-            <a:prstDash val="solid"/>
-            <a:round/>
-            <a:headEnd type="none" w="sm" len="sm"/>
-            <a:tailEnd type="none" w="sm" len="sm"/>
-          </a:ln>
-        </p:spPr>
-        <p:txBody>
-          <a:bodyPr spcFirstLastPara="1" wrap="square" lIns="91425" tIns="91425" rIns="91425" bIns="91425" anchor="ctr" anchorCtr="0">
-            <a:noAutofit/>
-          </a:bodyPr>
-          <a:lstStyle/>
-          <a:p>
-            <a:pPr marL="457200" lvl="0" indent="-292100" algn="l" rtl="0">
-              <a:spcBef>
-                <a:spcPts val="0"/>
-              </a:spcBef>
-              <a:spcAft>
-                <a:spcPts val="0"/>
-              </a:spcAft>
-              <a:buClr>
-                <a:schemeClr val="dk1"/>
-              </a:buClr>
-              <a:buSzPts val="1000"/>
-              <a:buChar char="❖"/>
-            </a:pPr>
-            <a:r>
-              <a:rPr lang="pt-BR" sz="1000" dirty="0">
-                <a:solidFill>
-                  <a:schemeClr val="dk1"/>
-                </a:solidFill>
-              </a:rPr>
-              <a:t>Abrir processo</a:t>
-            </a:r>
-            <a:endParaRPr sz="1000" b="0" i="0" u="none" strike="noStrike" cap="none" dirty="0">
-              <a:solidFill>
-                <a:srgbClr val="000000"/>
-              </a:solidFill>
-              <a:latin typeface="Arial"/>
-              <a:ea typeface="Arial"/>
-              <a:cs typeface="Arial"/>
-              <a:sym typeface="Arial"/>
-            </a:endParaRPr>
-          </a:p>
-        </p:txBody>
-      </p:sp>
-      <p:sp>
-        <p:nvSpPr>
-          <p:cNvPr id="197" name="Google Shape;197;g726e5e8bed_3_29"/>
-          <p:cNvSpPr txBox="1"/>
-          <p:nvPr/>
-        </p:nvSpPr>
-        <p:spPr>
-          <a:xfrm>
-            <a:off x="130400" y="1445725"/>
-            <a:ext cx="8542500" cy="1557900"/>
-          </a:xfrm>
-          <a:prstGeom prst="rect">
-            <a:avLst/>
-          </a:prstGeom>
-          <a:noFill/>
-          <a:ln w="9525" cap="flat" cmpd="sng">
-            <a:solidFill>
-              <a:srgbClr val="FF9900"/>
-            </a:solidFill>
-            <a:prstDash val="solid"/>
-            <a:round/>
-            <a:headEnd type="none" w="sm" len="sm"/>
-            <a:tailEnd type="none" w="sm" len="sm"/>
-          </a:ln>
-        </p:spPr>
-        <p:txBody>
-          <a:bodyPr spcFirstLastPara="1" wrap="square" lIns="91425" tIns="91425" rIns="91425" bIns="91425" anchor="t" anchorCtr="0">
-            <a:noAutofit/>
-          </a:bodyPr>
-          <a:lstStyle/>
-          <a:p>
-            <a:pPr marL="0" marR="0" lvl="0" indent="0" algn="l" rtl="0">
-              <a:lnSpc>
-                <a:spcPct val="100000"/>
-              </a:lnSpc>
-              <a:spcBef>
-                <a:spcPts val="0"/>
-              </a:spcBef>
-              <a:spcAft>
-                <a:spcPts val="0"/>
-              </a:spcAft>
-              <a:buClr>
-                <a:srgbClr val="000000"/>
-              </a:buClr>
-              <a:buSzPts val="1400"/>
-              <a:buFont typeface="Arial"/>
-              <a:buNone/>
-            </a:pPr>
-            <a:r>
-              <a:rPr lang="pt-BR" sz="1400" b="0" i="0" u="none" strike="noStrike" cap="none">
-                <a:solidFill>
-                  <a:srgbClr val="000000"/>
-                </a:solidFill>
-                <a:latin typeface="Arial"/>
-                <a:ea typeface="Arial"/>
-                <a:cs typeface="Arial"/>
-                <a:sym typeface="Arial"/>
-              </a:rPr>
-              <a:t>Nós Operacionais</a:t>
-            </a:r>
-            <a:endParaRPr sz="1400" b="0" i="0" u="none" strike="noStrike" cap="none">
-              <a:solidFill>
-                <a:srgbClr val="000000"/>
-              </a:solidFill>
-              <a:latin typeface="Arial"/>
-              <a:ea typeface="Arial"/>
-              <a:cs typeface="Arial"/>
-              <a:sym typeface="Arial"/>
-            </a:endParaRPr>
-          </a:p>
-        </p:txBody>
-      </p:sp>
-      <p:sp>
-        <p:nvSpPr>
-          <p:cNvPr id="198" name="Google Shape;198;g726e5e8bed_3_29"/>
-          <p:cNvSpPr txBox="1"/>
-          <p:nvPr/>
-        </p:nvSpPr>
-        <p:spPr>
-          <a:xfrm>
-            <a:off x="130400" y="3003625"/>
-            <a:ext cx="8542500" cy="1557900"/>
-          </a:xfrm>
-          <a:prstGeom prst="rect">
-            <a:avLst/>
-          </a:prstGeom>
-          <a:noFill/>
-          <a:ln w="9525" cap="flat" cmpd="sng">
-            <a:solidFill>
-              <a:srgbClr val="FF9900"/>
-            </a:solidFill>
-            <a:prstDash val="solid"/>
-            <a:round/>
-            <a:headEnd type="none" w="sm" len="sm"/>
-            <a:tailEnd type="none" w="sm" len="sm"/>
-          </a:ln>
-        </p:spPr>
-        <p:txBody>
-          <a:bodyPr spcFirstLastPara="1" wrap="square" lIns="91425" tIns="91425" rIns="91425" bIns="91425" anchor="t" anchorCtr="0">
-            <a:noAutofit/>
-          </a:bodyPr>
-          <a:lstStyle/>
-          <a:p>
-            <a:pPr marL="0" marR="0" lvl="0" indent="0" algn="l" rtl="0">
-              <a:lnSpc>
-                <a:spcPct val="100000"/>
-              </a:lnSpc>
-              <a:spcBef>
-                <a:spcPts val="0"/>
-              </a:spcBef>
-              <a:spcAft>
-                <a:spcPts val="0"/>
-              </a:spcAft>
-              <a:buClr>
-                <a:srgbClr val="000000"/>
-              </a:buClr>
-              <a:buSzPts val="1400"/>
-              <a:buFont typeface="Arial"/>
-              <a:buNone/>
-            </a:pPr>
-            <a:r>
-              <a:rPr lang="pt-BR" sz="1400" b="0" i="0" u="none" strike="noStrike" cap="none">
-                <a:solidFill>
-                  <a:srgbClr val="000000"/>
-                </a:solidFill>
-                <a:latin typeface="Arial"/>
-                <a:ea typeface="Arial"/>
-                <a:cs typeface="Arial"/>
-                <a:sym typeface="Arial"/>
-              </a:rPr>
-              <a:t>Capacidades Operacionais</a:t>
-            </a:r>
-            <a:endParaRPr sz="1400" b="0" i="0" u="none" strike="noStrike" cap="none">
-              <a:solidFill>
-                <a:srgbClr val="000000"/>
-              </a:solidFill>
-              <a:latin typeface="Arial"/>
-              <a:ea typeface="Arial"/>
-              <a:cs typeface="Arial"/>
-              <a:sym typeface="Arial"/>
-            </a:endParaRPr>
-          </a:p>
-        </p:txBody>
-      </p:sp>
-      <p:grpSp>
-        <p:nvGrpSpPr>
-          <p:cNvPr id="199" name="Google Shape;199;g726e5e8bed_3_29"/>
-          <p:cNvGrpSpPr/>
-          <p:nvPr/>
-        </p:nvGrpSpPr>
-        <p:grpSpPr>
-          <a:xfrm>
-            <a:off x="1485327" y="1888715"/>
-            <a:ext cx="1021200" cy="830484"/>
-            <a:chOff x="2852000" y="3424900"/>
-            <a:chExt cx="1021200" cy="830484"/>
-          </a:xfrm>
-        </p:grpSpPr>
-        <p:grpSp>
-          <p:nvGrpSpPr>
-            <p:cNvPr id="200" name="Google Shape;200;g726e5e8bed_3_29"/>
-            <p:cNvGrpSpPr/>
-            <p:nvPr/>
-          </p:nvGrpSpPr>
-          <p:grpSpPr>
-            <a:xfrm>
-              <a:off x="3206357" y="3424900"/>
-              <a:ext cx="308885" cy="587736"/>
-              <a:chOff x="1499725" y="1450825"/>
-              <a:chExt cx="497400" cy="843600"/>
-            </a:xfrm>
-          </p:grpSpPr>
-          <p:sp>
-            <p:nvSpPr>
-              <p:cNvPr id="201" name="Google Shape;201;g726e5e8bed_3_29"/>
-              <p:cNvSpPr/>
-              <p:nvPr/>
-            </p:nvSpPr>
-            <p:spPr>
-              <a:xfrm>
-                <a:off x="1597825" y="1450825"/>
-                <a:ext cx="313200" cy="281400"/>
-              </a:xfrm>
-              <a:prstGeom prst="flowChartConnector">
-                <a:avLst/>
-              </a:prstGeom>
-              <a:solidFill>
-                <a:srgbClr val="EEEEEE"/>
-              </a:solidFill>
-              <a:ln w="9525" cap="flat" cmpd="sng">
-                <a:solidFill>
-                  <a:srgbClr val="595959"/>
-                </a:solidFill>
-                <a:prstDash val="solid"/>
-                <a:round/>
-                <a:headEnd type="none" w="sm" len="sm"/>
-                <a:tailEnd type="none" w="sm" len="sm"/>
-              </a:ln>
-            </p:spPr>
-            <p:txBody>
-              <a:bodyPr spcFirstLastPara="1" wrap="square" lIns="91425" tIns="91425" rIns="91425" bIns="91425" anchor="ctr" anchorCtr="0">
-                <a:noAutofit/>
-              </a:bodyPr>
-              <a:lstStyle/>
-              <a:p>
-                <a:pPr marL="0" marR="0" lvl="0" indent="0" algn="l" rtl="0">
-                  <a:lnSpc>
-                    <a:spcPct val="100000"/>
-                  </a:lnSpc>
-                  <a:spcBef>
-                    <a:spcPts val="0"/>
-                  </a:spcBef>
-                  <a:spcAft>
-                    <a:spcPts val="0"/>
-                  </a:spcAft>
-                  <a:buClr>
-                    <a:srgbClr val="000000"/>
-                  </a:buClr>
-                  <a:buSzPts val="1400"/>
-                  <a:buFont typeface="Arial"/>
-                  <a:buNone/>
-                </a:pPr>
-                <a:endParaRPr sz="1400" b="0" i="0" u="none" strike="noStrike" cap="none">
-                  <a:solidFill>
-                    <a:srgbClr val="000000"/>
-                  </a:solidFill>
-                  <a:latin typeface="Arial"/>
-                  <a:ea typeface="Arial"/>
-                  <a:cs typeface="Arial"/>
-                  <a:sym typeface="Arial"/>
-                </a:endParaRPr>
-              </a:p>
-            </p:txBody>
-          </p:sp>
-          <p:cxnSp>
-            <p:nvCxnSpPr>
-              <p:cNvPr id="202" name="Google Shape;202;g726e5e8bed_3_29"/>
-              <p:cNvCxnSpPr>
-                <a:stCxn id="201" idx="4"/>
-              </p:cNvCxnSpPr>
-              <p:nvPr/>
-            </p:nvCxnSpPr>
-            <p:spPr>
-              <a:xfrm flipH="1">
-                <a:off x="1748725" y="1732225"/>
-                <a:ext cx="5700" cy="293100"/>
-              </a:xfrm>
-              <a:prstGeom prst="straightConnector1">
-                <a:avLst/>
-              </a:prstGeom>
-              <a:noFill/>
-              <a:ln w="9525" cap="flat" cmpd="sng">
-                <a:solidFill>
-                  <a:srgbClr val="595959"/>
-                </a:solidFill>
-                <a:prstDash val="solid"/>
-                <a:round/>
-                <a:headEnd type="none" w="sm" len="sm"/>
-                <a:tailEnd type="none" w="sm" len="sm"/>
-              </a:ln>
-            </p:spPr>
-          </p:cxnSp>
-          <p:cxnSp>
-            <p:nvCxnSpPr>
-              <p:cNvPr id="203" name="Google Shape;203;g726e5e8bed_3_29"/>
-              <p:cNvCxnSpPr/>
-              <p:nvPr/>
-            </p:nvCxnSpPr>
-            <p:spPr>
-              <a:xfrm>
-                <a:off x="1527475" y="1858775"/>
-                <a:ext cx="453900" cy="1800"/>
-              </a:xfrm>
-              <a:prstGeom prst="straightConnector1">
-                <a:avLst/>
-              </a:prstGeom>
-              <a:noFill/>
-              <a:ln w="9525" cap="flat" cmpd="sng">
-                <a:solidFill>
-                  <a:srgbClr val="595959"/>
-                </a:solidFill>
-                <a:prstDash val="solid"/>
-                <a:round/>
-                <a:headEnd type="none" w="sm" len="sm"/>
-                <a:tailEnd type="none" w="sm" len="sm"/>
-              </a:ln>
-            </p:spPr>
-          </p:cxnSp>
-          <p:cxnSp>
-            <p:nvCxnSpPr>
-              <p:cNvPr id="204" name="Google Shape;204;g726e5e8bed_3_29"/>
-              <p:cNvCxnSpPr/>
-              <p:nvPr/>
-            </p:nvCxnSpPr>
-            <p:spPr>
-              <a:xfrm flipH="1">
-                <a:off x="1499725" y="2022925"/>
-                <a:ext cx="248700" cy="271500"/>
-              </a:xfrm>
-              <a:prstGeom prst="straightConnector1">
-                <a:avLst/>
-              </a:prstGeom>
-              <a:noFill/>
-              <a:ln w="9525" cap="flat" cmpd="sng">
-                <a:solidFill>
-                  <a:srgbClr val="595959"/>
-                </a:solidFill>
-                <a:prstDash val="solid"/>
-                <a:round/>
-                <a:headEnd type="none" w="sm" len="sm"/>
-                <a:tailEnd type="none" w="sm" len="sm"/>
-              </a:ln>
-            </p:spPr>
-          </p:cxnSp>
-          <p:cxnSp>
-            <p:nvCxnSpPr>
-              <p:cNvPr id="205" name="Google Shape;205;g726e5e8bed_3_29"/>
-              <p:cNvCxnSpPr/>
-              <p:nvPr/>
-            </p:nvCxnSpPr>
-            <p:spPr>
-              <a:xfrm rot="10800000">
-                <a:off x="1748425" y="2022925"/>
-                <a:ext cx="248700" cy="271500"/>
-              </a:xfrm>
-              <a:prstGeom prst="straightConnector1">
-                <a:avLst/>
-              </a:prstGeom>
-              <a:noFill/>
-              <a:ln w="9525" cap="flat" cmpd="sng">
-                <a:solidFill>
-                  <a:srgbClr val="595959"/>
-                </a:solidFill>
-                <a:prstDash val="solid"/>
-                <a:round/>
-                <a:headEnd type="none" w="sm" len="sm"/>
-                <a:tailEnd type="none" w="sm" len="sm"/>
-              </a:ln>
-            </p:spPr>
-          </p:cxnSp>
-        </p:grpSp>
-        <p:sp>
-          <p:nvSpPr>
-            <p:cNvPr id="206" name="Google Shape;206;g726e5e8bed_3_29"/>
-            <p:cNvSpPr txBox="1"/>
-            <p:nvPr/>
-          </p:nvSpPr>
-          <p:spPr>
-            <a:xfrm>
-              <a:off x="2852000" y="3912484"/>
-              <a:ext cx="1021200" cy="342900"/>
-            </a:xfrm>
-            <a:prstGeom prst="rect">
-              <a:avLst/>
-            </a:prstGeom>
-            <a:noFill/>
-            <a:ln>
-              <a:noFill/>
-            </a:ln>
-          </p:spPr>
-          <p:txBody>
-            <a:bodyPr spcFirstLastPara="1" wrap="square" lIns="91425" tIns="91425" rIns="91425" bIns="91425" anchor="t" anchorCtr="0">
-              <a:noAutofit/>
-            </a:bodyPr>
-            <a:lstStyle/>
-            <a:p>
-              <a:pPr marL="0" marR="0" lvl="0" indent="0" algn="ctr" rtl="0">
-                <a:lnSpc>
-                  <a:spcPct val="100000"/>
-                </a:lnSpc>
-                <a:spcBef>
-                  <a:spcPts val="0"/>
-                </a:spcBef>
-                <a:spcAft>
-                  <a:spcPts val="0"/>
-                </a:spcAft>
-                <a:buClr>
-                  <a:srgbClr val="000000"/>
-                </a:buClr>
-                <a:buSzPts val="1200"/>
-                <a:buFont typeface="Arial"/>
-                <a:buNone/>
-              </a:pPr>
-              <a:r>
-                <a:rPr lang="pt-BR" sz="1200" b="1" i="0" u="none" strike="noStrike" cap="none">
-                  <a:solidFill>
-                    <a:srgbClr val="000000"/>
-                  </a:solidFill>
-                  <a:latin typeface="Arial"/>
-                  <a:ea typeface="Arial"/>
-                  <a:cs typeface="Arial"/>
-                  <a:sym typeface="Arial"/>
-                </a:rPr>
-                <a:t>Fórum</a:t>
-              </a:r>
-              <a:endParaRPr sz="1200" b="1" i="0" u="none" strike="noStrike" cap="none">
-                <a:solidFill>
-                  <a:srgbClr val="000000"/>
-                </a:solidFill>
-                <a:latin typeface="Arial"/>
-                <a:ea typeface="Arial"/>
-                <a:cs typeface="Arial"/>
-                <a:sym typeface="Arial"/>
-              </a:endParaRPr>
-            </a:p>
-          </p:txBody>
-        </p:sp>
-      </p:grpSp>
-      <p:sp>
-        <p:nvSpPr>
-          <p:cNvPr id="207" name="Google Shape;207;g726e5e8bed_3_29"/>
-          <p:cNvSpPr/>
-          <p:nvPr/>
-        </p:nvSpPr>
-        <p:spPr>
-          <a:xfrm>
-            <a:off x="5926600" y="1838802"/>
-            <a:ext cx="1183200" cy="627300"/>
-          </a:xfrm>
-          <a:prstGeom prst="roundRect">
-            <a:avLst>
-              <a:gd name="adj" fmla="val 16667"/>
-            </a:avLst>
-          </a:prstGeom>
-          <a:gradFill>
-            <a:gsLst>
-              <a:gs pos="0">
-                <a:srgbClr val="D4E5F5"/>
-              </a:gs>
-              <a:gs pos="100000">
-                <a:srgbClr val="70A4D5"/>
-              </a:gs>
-            </a:gsLst>
-            <a:path path="circle">
-              <a:fillToRect l="50000" t="50000" r="50000" b="50000"/>
-            </a:path>
-            <a:tileRect/>
-          </a:gradFill>
-          <a:ln w="9525" cap="flat" cmpd="sng">
-            <a:solidFill>
-              <a:srgbClr val="F3F3F3"/>
-            </a:solidFill>
-            <a:prstDash val="solid"/>
-            <a:round/>
-            <a:headEnd type="none" w="sm" len="sm"/>
-            <a:tailEnd type="none" w="sm" len="sm"/>
-          </a:ln>
-        </p:spPr>
-        <p:txBody>
-          <a:bodyPr spcFirstLastPara="1" wrap="square" lIns="91425" tIns="91425" rIns="91425" bIns="91425" anchor="ctr" anchorCtr="0">
-            <a:noAutofit/>
-          </a:bodyPr>
-          <a:lstStyle/>
-          <a:p>
-            <a:pPr marL="0" lvl="0" indent="0" algn="ctr" rtl="0">
-              <a:spcBef>
-                <a:spcPts val="0"/>
-              </a:spcBef>
-              <a:spcAft>
-                <a:spcPts val="0"/>
-              </a:spcAft>
-              <a:buClr>
-                <a:schemeClr val="dk1"/>
-              </a:buClr>
-              <a:buSzPts val="1000"/>
-              <a:buFont typeface="Arial"/>
-              <a:buNone/>
-            </a:pPr>
-            <a:r>
-              <a:rPr lang="pt-BR" sz="1000" dirty="0">
-                <a:solidFill>
-                  <a:schemeClr val="dk1"/>
-                </a:solidFill>
-              </a:rPr>
-              <a:t>Jurídico</a:t>
-            </a:r>
-            <a:endParaRPr sz="1000" b="0" i="0" u="none" strike="noStrike" cap="none" dirty="0">
-              <a:solidFill>
-                <a:srgbClr val="000000"/>
-              </a:solidFill>
-              <a:latin typeface="Arial"/>
-              <a:ea typeface="Arial"/>
-              <a:cs typeface="Arial"/>
-              <a:sym typeface="Arial"/>
-            </a:endParaRPr>
-          </a:p>
-        </p:txBody>
-      </p:sp>
-      <p:sp>
-        <p:nvSpPr>
-          <p:cNvPr id="208" name="Google Shape;208;g726e5e8bed_3_29"/>
-          <p:cNvSpPr/>
-          <p:nvPr/>
-        </p:nvSpPr>
-        <p:spPr>
-          <a:xfrm>
-            <a:off x="4544400" y="3630925"/>
-            <a:ext cx="2126200" cy="281856"/>
-          </a:xfrm>
-          <a:prstGeom prst="bracketPair">
-            <a:avLst/>
-          </a:prstGeom>
-          <a:noFill/>
-          <a:ln w="9525" cap="flat" cmpd="sng">
-            <a:solidFill>
-              <a:schemeClr val="dk2"/>
-            </a:solidFill>
-            <a:prstDash val="solid"/>
-            <a:round/>
-            <a:headEnd type="none" w="sm" len="sm"/>
-            <a:tailEnd type="none" w="sm" len="sm"/>
-          </a:ln>
-        </p:spPr>
-        <p:txBody>
-          <a:bodyPr spcFirstLastPara="1" wrap="square" lIns="91425" tIns="91425" rIns="91425" bIns="91425" anchor="ctr" anchorCtr="0">
-            <a:noAutofit/>
-          </a:bodyPr>
-          <a:lstStyle/>
-          <a:p>
-            <a:pPr marL="457200" marR="0" lvl="0" indent="0" algn="l" rtl="0">
-              <a:lnSpc>
-                <a:spcPct val="100000"/>
-              </a:lnSpc>
-              <a:spcBef>
-                <a:spcPts val="0"/>
-              </a:spcBef>
-              <a:spcAft>
-                <a:spcPts val="0"/>
-              </a:spcAft>
-              <a:buNone/>
-            </a:pPr>
-            <a:endParaRPr sz="1000" dirty="0"/>
-          </a:p>
-          <a:p>
-            <a:pPr marL="457200" marR="0" lvl="0" indent="-292100" algn="l" rtl="0">
-              <a:lnSpc>
-                <a:spcPct val="100000"/>
-              </a:lnSpc>
-              <a:spcBef>
-                <a:spcPts val="0"/>
-              </a:spcBef>
-              <a:spcAft>
-                <a:spcPts val="0"/>
-              </a:spcAft>
-              <a:buSzPts val="1000"/>
-              <a:buChar char="●"/>
-            </a:pPr>
-            <a:r>
-              <a:rPr lang="pt-BR" sz="1000" dirty="0"/>
-              <a:t>Aguardar notificação</a:t>
-            </a:r>
-            <a:endParaRPr sz="1000" dirty="0"/>
-          </a:p>
-          <a:p>
-            <a:pPr marL="457200" marR="0" lvl="0" indent="0" algn="l" rtl="0">
-              <a:lnSpc>
-                <a:spcPct val="100000"/>
-              </a:lnSpc>
-              <a:spcBef>
-                <a:spcPts val="0"/>
-              </a:spcBef>
-              <a:spcAft>
-                <a:spcPts val="0"/>
-              </a:spcAft>
-              <a:buNone/>
-            </a:pPr>
-            <a:endParaRPr sz="1000" dirty="0"/>
-          </a:p>
-        </p:txBody>
-      </p:sp>
-      <p:cxnSp>
-        <p:nvCxnSpPr>
-          <p:cNvPr id="209" name="Google Shape;209;g726e5e8bed_3_29"/>
-          <p:cNvCxnSpPr/>
-          <p:nvPr/>
-        </p:nvCxnSpPr>
-        <p:spPr>
-          <a:xfrm rot="5400000">
-            <a:off x="4808950" y="2201652"/>
-            <a:ext cx="1368600" cy="1897500"/>
-          </a:xfrm>
-          <a:prstGeom prst="curvedConnector4">
-            <a:avLst>
-              <a:gd name="adj1" fmla="val 16961"/>
-              <a:gd name="adj2" fmla="val 130486"/>
-            </a:avLst>
-          </a:prstGeom>
-          <a:noFill/>
-          <a:ln w="9525" cap="flat" cmpd="sng">
-            <a:solidFill>
-              <a:schemeClr val="dk2"/>
-            </a:solidFill>
-            <a:prstDash val="solid"/>
-            <a:round/>
-            <a:headEnd type="none" w="sm" len="sm"/>
-            <a:tailEnd type="none" w="sm" len="sm"/>
-          </a:ln>
-        </p:spPr>
-      </p:cxnSp>
-      <p:cxnSp>
-        <p:nvCxnSpPr>
-          <p:cNvPr id="210" name="Google Shape;210;g726e5e8bed_3_29"/>
-          <p:cNvCxnSpPr>
-            <a:cxnSpLocks/>
-            <a:stCxn id="201" idx="0"/>
-            <a:endCxn id="196" idx="2"/>
-          </p:cNvCxnSpPr>
-          <p:nvPr/>
-        </p:nvCxnSpPr>
-        <p:spPr>
-          <a:xfrm rot="5400000" flipH="1" flipV="1">
-            <a:off x="2881050" y="4716"/>
-            <a:ext cx="1000803" cy="2767197"/>
-          </a:xfrm>
-          <a:prstGeom prst="curvedConnector3">
-            <a:avLst>
-              <a:gd name="adj1" fmla="val 18562"/>
-            </a:avLst>
-          </a:prstGeom>
-          <a:noFill/>
-          <a:ln w="9525" cap="flat" cmpd="sng">
-            <a:solidFill>
-              <a:schemeClr val="dk2"/>
-            </a:solidFill>
-            <a:prstDash val="solid"/>
-            <a:round/>
-            <a:headEnd type="none" w="sm" len="sm"/>
-            <a:tailEnd type="none" w="sm" len="sm"/>
-          </a:ln>
-        </p:spPr>
-      </p:cxnSp>
-      <p:cxnSp>
-        <p:nvCxnSpPr>
-          <p:cNvPr id="211" name="Google Shape;211;g726e5e8bed_3_29"/>
-          <p:cNvCxnSpPr>
-            <a:cxnSpLocks/>
-            <a:stCxn id="207" idx="0"/>
-            <a:endCxn id="196" idx="2"/>
-          </p:cNvCxnSpPr>
-          <p:nvPr/>
-        </p:nvCxnSpPr>
-        <p:spPr>
-          <a:xfrm rot="16200000" flipV="1">
-            <a:off x="5166180" y="486782"/>
-            <a:ext cx="950890" cy="1753150"/>
-          </a:xfrm>
-          <a:prstGeom prst="curvedConnector3">
-            <a:avLst>
-              <a:gd name="adj1" fmla="val 27706"/>
-            </a:avLst>
-          </a:prstGeom>
-          <a:noFill/>
-          <a:ln w="9525" cap="flat" cmpd="sng">
-            <a:solidFill>
-              <a:schemeClr val="dk2"/>
-            </a:solidFill>
-            <a:prstDash val="solid"/>
-            <a:round/>
-            <a:headEnd type="none" w="sm" len="sm"/>
-            <a:tailEnd type="none" w="sm" len="sm"/>
-          </a:ln>
-        </p:spPr>
-      </p:cxnSp>
-    </p:spTree>
-    <p:extLst>
-      <p:ext uri="{BB962C8B-B14F-4D97-AF65-F5344CB8AC3E}">
-        <p14:creationId xmlns:p14="http://schemas.microsoft.com/office/powerpoint/2010/main" val="45913352"/>
-      </p:ext>
-    </p:extLst>
-  </p:cSld>
-  <p:clrMapOvr>
-    <a:masterClrMapping/>
-  </p:clrMapOvr>
-</p:sld>
-</file>
-
-<file path=ppt/slides/slide11.xml><?xml version="1.0" encoding="utf-8"?>
 <p:sld xmlns:a="http://schemas.openxmlformats.org/drawingml/2006/main" xmlns:r="http://schemas.openxmlformats.org/officeDocument/2006/relationships" xmlns:p="http://schemas.openxmlformats.org/presentationml/2006/main">
   <p:cSld>
     <p:spTree>
@@ -14328,7 +13411,7 @@
 </p:sld>
 </file>
 
-<file path=ppt/slides/slide12.xml><?xml version="1.0" encoding="utf-8"?>
+<file path=ppt/slides/slide11.xml><?xml version="1.0" encoding="utf-8"?>
 <p:sld xmlns:a="http://schemas.openxmlformats.org/drawingml/2006/main" xmlns:r="http://schemas.openxmlformats.org/officeDocument/2006/relationships" xmlns:p="http://schemas.openxmlformats.org/presentationml/2006/main">
   <p:cSld>
     <p:spTree>
@@ -15086,7 +14169,7 @@
 </p:sld>
 </file>
 
-<file path=ppt/slides/slide13.xml><?xml version="1.0" encoding="utf-8"?>
+<file path=ppt/slides/slide12.xml><?xml version="1.0" encoding="utf-8"?>
 <p:sld xmlns:a="http://schemas.openxmlformats.org/drawingml/2006/main" xmlns:r="http://schemas.openxmlformats.org/officeDocument/2006/relationships" xmlns:p="http://schemas.openxmlformats.org/presentationml/2006/main">
   <p:cSld>
     <p:spTree>
@@ -20213,14 +19296,14 @@
               <a:buNone/>
             </a:pPr>
             <a:r>
-              <a:rPr lang="pt-BR" sz="1000">
+              <a:rPr lang="pt-BR" sz="1000" dirty="0">
                 <a:solidFill>
                   <a:schemeClr val="dk1"/>
                 </a:solidFill>
               </a:rPr>
-              <a:t>Financeiro</a:t>
+              <a:t>Setor Financeiro</a:t>
             </a:r>
-            <a:endParaRPr sz="1000" b="0" i="0" u="none" strike="noStrike" cap="none">
+            <a:endParaRPr sz="1000" b="0" i="0" u="none" strike="noStrike" cap="none" dirty="0">
               <a:solidFill>
                 <a:srgbClr val="000000"/>
               </a:solidFill>
@@ -21932,17 +21015,12 @@
           </a:bodyPr>
           <a:lstStyle/>
           <a:p>
-            <a:pPr marL="457200" lvl="0" indent="-292100" algn="l" rtl="0">
-              <a:spcBef>
-                <a:spcPts val="0"/>
-              </a:spcBef>
-              <a:spcAft>
-                <a:spcPts val="0"/>
-              </a:spcAft>
+            <a:pPr marL="457200" indent="-292100">
               <a:buClr>
                 <a:schemeClr val="dk1"/>
               </a:buClr>
               <a:buSzPts val="1000"/>
+              <a:buFont typeface="Arial"/>
               <a:buChar char="❖"/>
             </a:pPr>
             <a:r>
@@ -21951,7 +21029,7 @@
                   <a:schemeClr val="dk1"/>
                 </a:solidFill>
               </a:rPr>
-              <a:t>Informar datas e prazos</a:t>
+              <a:t>Abrir processo</a:t>
             </a:r>
             <a:endParaRPr sz="1000" b="0" i="0" u="none" strike="noStrike" cap="none" dirty="0">
               <a:solidFill>
